--- a/Daily Agendas/Day6.5 ForcesReview.pptx
+++ b/Daily Agendas/Day6.5 ForcesReview.pptx
@@ -6,6 +6,7 @@
   </p:sldMasterIdLst>
   <p:sldIdLst>
     <p:sldId id="257" r:id="rId2"/>
+    <p:sldId id="258" r:id="rId3"/>
   </p:sldIdLst>
   <p:sldSz cx="9144000" cy="6858000" type="screen4x3"/>
   <p:notesSz cx="6858000" cy="9144000"/>
@@ -243,7 +244,7 @@
           <a:p>
             <a:fld id="{DBFDDC6D-30E6-4591-A5D6-EBA4A0A375E4}" type="datetimeFigureOut">
               <a:rPr lang="en-US" smtClean="0"/>
-              <a:t>3/12/2020</a:t>
+              <a:t>3/13/2020</a:t>
             </a:fld>
             <a:endParaRPr lang="en-US"/>
           </a:p>
@@ -413,7 +414,7 @@
           <a:p>
             <a:fld id="{DBFDDC6D-30E6-4591-A5D6-EBA4A0A375E4}" type="datetimeFigureOut">
               <a:rPr lang="en-US" smtClean="0"/>
-              <a:t>3/12/2020</a:t>
+              <a:t>3/13/2020</a:t>
             </a:fld>
             <a:endParaRPr lang="en-US"/>
           </a:p>
@@ -593,7 +594,7 @@
           <a:p>
             <a:fld id="{DBFDDC6D-30E6-4591-A5D6-EBA4A0A375E4}" type="datetimeFigureOut">
               <a:rPr lang="en-US" smtClean="0"/>
-              <a:t>3/12/2020</a:t>
+              <a:t>3/13/2020</a:t>
             </a:fld>
             <a:endParaRPr lang="en-US"/>
           </a:p>
@@ -763,7 +764,7 @@
           <a:p>
             <a:fld id="{DBFDDC6D-30E6-4591-A5D6-EBA4A0A375E4}" type="datetimeFigureOut">
               <a:rPr lang="en-US" smtClean="0"/>
-              <a:t>3/12/2020</a:t>
+              <a:t>3/13/2020</a:t>
             </a:fld>
             <a:endParaRPr lang="en-US"/>
           </a:p>
@@ -1007,7 +1008,7 @@
           <a:p>
             <a:fld id="{DBFDDC6D-30E6-4591-A5D6-EBA4A0A375E4}" type="datetimeFigureOut">
               <a:rPr lang="en-US" smtClean="0"/>
-              <a:t>3/12/2020</a:t>
+              <a:t>3/13/2020</a:t>
             </a:fld>
             <a:endParaRPr lang="en-US"/>
           </a:p>
@@ -1239,7 +1240,7 @@
           <a:p>
             <a:fld id="{DBFDDC6D-30E6-4591-A5D6-EBA4A0A375E4}" type="datetimeFigureOut">
               <a:rPr lang="en-US" smtClean="0"/>
-              <a:t>3/12/2020</a:t>
+              <a:t>3/13/2020</a:t>
             </a:fld>
             <a:endParaRPr lang="en-US"/>
           </a:p>
@@ -1606,7 +1607,7 @@
           <a:p>
             <a:fld id="{DBFDDC6D-30E6-4591-A5D6-EBA4A0A375E4}" type="datetimeFigureOut">
               <a:rPr lang="en-US" smtClean="0"/>
-              <a:t>3/12/2020</a:t>
+              <a:t>3/13/2020</a:t>
             </a:fld>
             <a:endParaRPr lang="en-US"/>
           </a:p>
@@ -1724,7 +1725,7 @@
           <a:p>
             <a:fld id="{DBFDDC6D-30E6-4591-A5D6-EBA4A0A375E4}" type="datetimeFigureOut">
               <a:rPr lang="en-US" smtClean="0"/>
-              <a:t>3/12/2020</a:t>
+              <a:t>3/13/2020</a:t>
             </a:fld>
             <a:endParaRPr lang="en-US"/>
           </a:p>
@@ -1819,7 +1820,7 @@
           <a:p>
             <a:fld id="{DBFDDC6D-30E6-4591-A5D6-EBA4A0A375E4}" type="datetimeFigureOut">
               <a:rPr lang="en-US" smtClean="0"/>
-              <a:t>3/12/2020</a:t>
+              <a:t>3/13/2020</a:t>
             </a:fld>
             <a:endParaRPr lang="en-US"/>
           </a:p>
@@ -2096,7 +2097,7 @@
           <a:p>
             <a:fld id="{DBFDDC6D-30E6-4591-A5D6-EBA4A0A375E4}" type="datetimeFigureOut">
               <a:rPr lang="en-US" smtClean="0"/>
-              <a:t>3/12/2020</a:t>
+              <a:t>3/13/2020</a:t>
             </a:fld>
             <a:endParaRPr lang="en-US"/>
           </a:p>
@@ -2353,7 +2354,7 @@
           <a:p>
             <a:fld id="{DBFDDC6D-30E6-4591-A5D6-EBA4A0A375E4}" type="datetimeFigureOut">
               <a:rPr lang="en-US" smtClean="0"/>
-              <a:t>3/12/2020</a:t>
+              <a:t>3/13/2020</a:t>
             </a:fld>
             <a:endParaRPr lang="en-US"/>
           </a:p>
@@ -2566,7 +2567,7 @@
           <a:p>
             <a:fld id="{DBFDDC6D-30E6-4591-A5D6-EBA4A0A375E4}" type="datetimeFigureOut">
               <a:rPr lang="en-US" smtClean="0"/>
-              <a:t>3/12/2020</a:t>
+              <a:t>3/13/2020</a:t>
             </a:fld>
             <a:endParaRPr lang="en-US"/>
           </a:p>
@@ -2991,7 +2992,11 @@
             <a:pPr algn="ctr"/>
             <a:r>
               <a:rPr lang="en-CA" sz="4000" dirty="0" smtClean="0"/>
-              <a:t>Forces Review </a:t>
+              <a:t>Forces </a:t>
+            </a:r>
+            <a:r>
+              <a:rPr lang="en-CA" sz="4000" dirty="0" smtClean="0"/>
+              <a:t>Introduction </a:t>
             </a:r>
             <a:r>
               <a:rPr lang="en-CA" sz="4000" dirty="0" smtClean="0"/>
@@ -3045,7 +3050,7 @@
         <p:spPr/>
         <p:txBody>
           <a:bodyPr>
-            <a:normAutofit/>
+            <a:normAutofit fontScale="85000" lnSpcReduction="20000"/>
           </a:bodyPr>
           <a:lstStyle/>
           <a:p>
@@ -3058,25 +3063,41 @@
             <a:pPr lvl="1"/>
             <a:r>
               <a:rPr lang="en-CA" dirty="0" smtClean="0"/>
-              <a:t>Grade 11 Review</a:t>
+              <a:t>Marks, Mid-Term, etc.</a:t>
+            </a:r>
+          </a:p>
+          <a:p>
+            <a:pPr lvl="2"/>
+            <a:r>
+              <a:rPr lang="en-CA" dirty="0" smtClean="0"/>
+              <a:t>Kinematics Unit Test – Plan</a:t>
+            </a:r>
+          </a:p>
+          <a:p>
+            <a:pPr lvl="2"/>
+            <a:r>
+              <a:rPr lang="en-CA" dirty="0"/>
+              <a:t>Newton's Laws Review Sheet</a:t>
+            </a:r>
+          </a:p>
+          <a:p>
+            <a:pPr lvl="2"/>
+            <a:r>
+              <a:rPr lang="en-CA" dirty="0" smtClean="0"/>
+              <a:t>Inclined Plane ISU Assignment</a:t>
             </a:r>
             <a:endParaRPr lang="en-CA" dirty="0" smtClean="0"/>
           </a:p>
           <a:p>
-            <a:pPr lvl="2"/>
+            <a:pPr lvl="1"/>
             <a:r>
               <a:rPr lang="en-CA" dirty="0" smtClean="0"/>
-              <a:t>Newton's Laws Review Sheet</a:t>
-            </a:r>
-            <a:endParaRPr lang="en-CA" dirty="0"/>
-          </a:p>
-          <a:p>
-            <a:pPr lvl="1"/>
+              <a:t>2D </a:t>
+            </a:r>
             <a:r>
               <a:rPr lang="en-CA" dirty="0" smtClean="0"/>
-              <a:t>2D Net Force</a:t>
-            </a:r>
-            <a:endParaRPr lang="en-CA" dirty="0" smtClean="0"/>
+              <a:t>Net Force</a:t>
+            </a:r>
           </a:p>
           <a:p>
             <a:pPr lvl="2"/>
@@ -3089,14 +3110,19 @@
             <a:pPr lvl="2"/>
             <a:r>
               <a:rPr lang="en-CA" dirty="0" smtClean="0"/>
-              <a:t>Sample FBD: Pulling a Sled</a:t>
-            </a:r>
-          </a:p>
-          <a:p>
-            <a:pPr lvl="2"/>
+              <a:t>Samples: </a:t>
+            </a:r>
             <a:r>
               <a:rPr lang="en-CA" dirty="0" smtClean="0"/>
-              <a:t>Sample FBD: Inclined Plane</a:t>
+              <a:t>Pulling a </a:t>
+            </a:r>
+            <a:r>
+              <a:rPr lang="en-CA" dirty="0" smtClean="0"/>
+              <a:t>Sled &amp; Inclined </a:t>
+            </a:r>
+            <a:r>
+              <a:rPr lang="en-CA" dirty="0" smtClean="0"/>
+              <a:t>Plane</a:t>
             </a:r>
             <a:endParaRPr lang="en-CA" dirty="0"/>
           </a:p>
@@ -3122,16 +3148,74 @@
             <a:pPr lvl="1"/>
             <a:r>
               <a:rPr lang="en-CA" dirty="0" smtClean="0"/>
-              <a:t>After March Break: Unit </a:t>
-            </a:r>
-            <a:r>
-              <a:rPr lang="en-CA" smtClean="0"/>
-              <a:t>3 Outline</a:t>
+              <a:t>Due when we get back (April 5?)</a:t>
+            </a:r>
+          </a:p>
+          <a:p>
+            <a:pPr lvl="2"/>
+            <a:r>
+              <a:rPr lang="en-CA" dirty="0" smtClean="0"/>
+              <a:t>Circular Motion Lab</a:t>
+            </a:r>
+          </a:p>
+          <a:p>
+            <a:pPr lvl="2"/>
+            <a:r>
+              <a:rPr lang="en-CA" dirty="0" smtClean="0"/>
+              <a:t>Newton’s Laws Review Sheet</a:t>
+            </a:r>
+          </a:p>
+          <a:p>
+            <a:pPr lvl="2"/>
+            <a:r>
+              <a:rPr lang="en-CA" dirty="0" smtClean="0"/>
+              <a:t>Inclined Plane ISU Assignment</a:t>
             </a:r>
             <a:endParaRPr lang="en-CA" dirty="0"/>
           </a:p>
         </p:txBody>
       </p:sp>
+      <p:pic>
+        <p:nvPicPr>
+          <p:cNvPr id="1028" name="Picture 4" descr="Image result for zombie cartoon"/>
+          <p:cNvPicPr>
+            <a:picLocks noChangeAspect="1" noChangeArrowheads="1"/>
+          </p:cNvPicPr>
+          <p:nvPr/>
+        </p:nvPicPr>
+        <p:blipFill>
+          <a:blip r:embed="rId2" cstate="print">
+            <a:extLst>
+              <a:ext uri="{28A0092B-C50C-407E-A947-70E740481C1C}">
+                <a14:useLocalDpi xmlns:a14="http://schemas.microsoft.com/office/drawing/2010/main" val="0"/>
+              </a:ext>
+            </a:extLst>
+          </a:blip>
+          <a:srcRect/>
+          <a:stretch>
+            <a:fillRect/>
+          </a:stretch>
+        </p:blipFill>
+        <p:spPr bwMode="auto">
+          <a:xfrm rot="378295">
+            <a:off x="6015786" y="2315277"/>
+            <a:ext cx="2528233" cy="3372031"/>
+          </a:xfrm>
+          <a:prstGeom prst="rect">
+            <a:avLst/>
+          </a:prstGeom>
+          <a:noFill/>
+          <a:extLst>
+            <a:ext uri="{909E8E84-426E-40DD-AFC4-6F175D3DCCD1}">
+              <a14:hiddenFill xmlns:a14="http://schemas.microsoft.com/office/drawing/2010/main">
+                <a:solidFill>
+                  <a:srgbClr val="FFFFFF"/>
+                </a:solidFill>
+              </a14:hiddenFill>
+            </a:ext>
+          </a:extLst>
+        </p:spPr>
+      </p:pic>
     </p:spTree>
     <p:extLst>
       <p:ext uri="{BB962C8B-B14F-4D97-AF65-F5344CB8AC3E}">
@@ -3149,6 +3233,132 @@
       </p:par>
     </p:tnLst>
   </p:timing>
+</p:sld>
+</file>
+
+<file path=ppt/slides/slide2.xml><?xml version="1.0" encoding="utf-8"?>
+<p:sld xmlns:a="http://schemas.openxmlformats.org/drawingml/2006/main" xmlns:r="http://schemas.openxmlformats.org/officeDocument/2006/relationships" xmlns:p="http://schemas.openxmlformats.org/presentationml/2006/main">
+  <p:cSld>
+    <p:spTree>
+      <p:nvGrpSpPr>
+        <p:cNvPr id="1" name=""/>
+        <p:cNvGrpSpPr/>
+        <p:nvPr/>
+      </p:nvGrpSpPr>
+      <p:grpSpPr>
+        <a:xfrm>
+          <a:off x="0" y="0"/>
+          <a:ext cx="0" cy="0"/>
+          <a:chOff x="0" y="0"/>
+          <a:chExt cx="0" cy="0"/>
+        </a:xfrm>
+      </p:grpSpPr>
+      <p:sp>
+        <p:nvSpPr>
+          <p:cNvPr id="2" name="Title 1"/>
+          <p:cNvSpPr>
+            <a:spLocks noGrp="1"/>
+          </p:cNvSpPr>
+          <p:nvPr>
+            <p:ph type="title"/>
+          </p:nvPr>
+        </p:nvSpPr>
+        <p:spPr/>
+        <p:txBody>
+          <a:bodyPr/>
+          <a:lstStyle/>
+          <a:p>
+            <a:r>
+              <a:rPr lang="en-CA" dirty="0" smtClean="0"/>
+              <a:t>Inclined Plane ISU Assignment</a:t>
+            </a:r>
+            <a:endParaRPr lang="en-US" dirty="0"/>
+          </a:p>
+        </p:txBody>
+      </p:sp>
+      <p:sp>
+        <p:nvSpPr>
+          <p:cNvPr id="3" name="Content Placeholder 2"/>
+          <p:cNvSpPr>
+            <a:spLocks noGrp="1"/>
+          </p:cNvSpPr>
+          <p:nvPr>
+            <p:ph idx="1"/>
+          </p:nvPr>
+        </p:nvSpPr>
+        <p:spPr/>
+        <p:txBody>
+          <a:bodyPr/>
+          <a:lstStyle/>
+          <a:p>
+            <a:r>
+              <a:rPr lang="en-CA" dirty="0" smtClean="0"/>
+              <a:t>Due When We Get Back</a:t>
+            </a:r>
+          </a:p>
+          <a:p>
+            <a:pPr marL="914400" lvl="1" indent="-457200">
+              <a:buFont typeface="+mj-lt"/>
+              <a:buAutoNum type="arabicPeriod"/>
+            </a:pPr>
+            <a:r>
+              <a:rPr lang="en-CA" dirty="0"/>
+              <a:t>Newton's Laws Review Sheet</a:t>
+            </a:r>
+          </a:p>
+          <a:p>
+            <a:pPr marL="914400" lvl="1" indent="-457200">
+              <a:buFont typeface="+mj-lt"/>
+              <a:buAutoNum type="arabicPeriod"/>
+            </a:pPr>
+            <a:r>
+              <a:rPr lang="en-CA" dirty="0" smtClean="0"/>
+              <a:t>Fully worked solution FOR THIS</a:t>
+            </a:r>
+            <a:endParaRPr lang="en-US" dirty="0"/>
+          </a:p>
+        </p:txBody>
+      </p:sp>
+      <p:pic>
+        <p:nvPicPr>
+          <p:cNvPr id="5" name="Picture 4"/>
+          <p:cNvPicPr/>
+          <p:nvPr/>
+        </p:nvPicPr>
+        <p:blipFill>
+          <a:blip r:embed="rId2" cstate="print"/>
+          <a:srcRect/>
+          <a:stretch>
+            <a:fillRect/>
+          </a:stretch>
+        </p:blipFill>
+        <p:spPr bwMode="auto">
+          <a:xfrm>
+            <a:off x="2138362" y="3646703"/>
+            <a:ext cx="4867275" cy="1950533"/>
+          </a:xfrm>
+          <a:prstGeom prst="rect">
+            <a:avLst/>
+          </a:prstGeom>
+          <a:noFill/>
+          <a:ln w="9525">
+            <a:noFill/>
+            <a:miter lim="800000"/>
+            <a:headEnd/>
+            <a:tailEnd/>
+          </a:ln>
+        </p:spPr>
+      </p:pic>
+    </p:spTree>
+    <p:extLst>
+      <p:ext uri="{BB962C8B-B14F-4D97-AF65-F5344CB8AC3E}">
+        <p14:creationId xmlns:p14="http://schemas.microsoft.com/office/powerpoint/2010/main" val="2710864481"/>
+      </p:ext>
+    </p:extLst>
+  </p:cSld>
+  <p:clrMapOvr>
+    <a:masterClrMapping/>
+  </p:clrMapOvr>
 </p:sld>
 </file>
 
